--- a/slides.pptx
+++ b/slides.pptx
@@ -5,35 +5,36 @@
     <p:sldMasterId id="2147483662" r:id="rId7"/>
   </p:sldMasterIdLst>
   <p:notesMasterIdLst>
-    <p:notesMasterId r:id="rId26"/>
+    <p:notesMasterId r:id="rId27"/>
   </p:notesMasterIdLst>
   <p:handoutMasterIdLst>
-    <p:handoutMasterId r:id="rId27"/>
+    <p:handoutMasterId r:id="rId28"/>
   </p:handoutMasterIdLst>
   <p:sldIdLst>
     <p:sldId id="260" r:id="rId8"/>
-    <p:sldId id="257" r:id="rId9"/>
-    <p:sldId id="262" r:id="rId10"/>
-    <p:sldId id="261" r:id="rId11"/>
-    <p:sldId id="263" r:id="rId12"/>
-    <p:sldId id="264" r:id="rId13"/>
-    <p:sldId id="265" r:id="rId14"/>
-    <p:sldId id="266" r:id="rId15"/>
-    <p:sldId id="267" r:id="rId16"/>
-    <p:sldId id="268" r:id="rId17"/>
-    <p:sldId id="269" r:id="rId18"/>
-    <p:sldId id="273" r:id="rId19"/>
-    <p:sldId id="274" r:id="rId20"/>
-    <p:sldId id="270" r:id="rId21"/>
-    <p:sldId id="271" r:id="rId22"/>
-    <p:sldId id="275" r:id="rId23"/>
-    <p:sldId id="272" r:id="rId24"/>
-    <p:sldId id="276" r:id="rId25"/>
+    <p:sldId id="277" r:id="rId9"/>
+    <p:sldId id="257" r:id="rId10"/>
+    <p:sldId id="262" r:id="rId11"/>
+    <p:sldId id="261" r:id="rId12"/>
+    <p:sldId id="263" r:id="rId13"/>
+    <p:sldId id="264" r:id="rId14"/>
+    <p:sldId id="265" r:id="rId15"/>
+    <p:sldId id="266" r:id="rId16"/>
+    <p:sldId id="267" r:id="rId17"/>
+    <p:sldId id="268" r:id="rId18"/>
+    <p:sldId id="269" r:id="rId19"/>
+    <p:sldId id="273" r:id="rId20"/>
+    <p:sldId id="274" r:id="rId21"/>
+    <p:sldId id="270" r:id="rId22"/>
+    <p:sldId id="271" r:id="rId23"/>
+    <p:sldId id="275" r:id="rId24"/>
+    <p:sldId id="272" r:id="rId25"/>
+    <p:sldId id="276" r:id="rId26"/>
   </p:sldIdLst>
   <p:sldSz cx="12190413" cy="6858000"/>
   <p:notesSz cx="6858000" cy="9144000"/>
   <p:custDataLst>
-    <p:tags r:id="rId28"/>
+    <p:tags r:id="rId29"/>
   </p:custDataLst>
   <p:defaultTextStyle>
     <a:defPPr>
@@ -8853,6 +8854,154 @@
 </file>
 
 <file path=ppt/slides/slide10.xml><?xml version="1.0" encoding="utf-8"?>
+<p:sld xmlns:a="http://schemas.openxmlformats.org/drawingml/2006/main" xmlns:r="http://schemas.openxmlformats.org/officeDocument/2006/relationships" xmlns:p="http://schemas.openxmlformats.org/presentationml/2006/main">
+  <p:cSld>
+    <p:spTree>
+      <p:nvGrpSpPr>
+        <p:cNvPr id="1" name=""/>
+        <p:cNvGrpSpPr/>
+        <p:nvPr/>
+      </p:nvGrpSpPr>
+      <p:grpSpPr>
+        <a:xfrm>
+          <a:off x="0" y="0"/>
+          <a:ext cx="0" cy="0"/>
+          <a:chOff x="0" y="0"/>
+          <a:chExt cx="0" cy="0"/>
+        </a:xfrm>
+      </p:grpSpPr>
+      <p:sp>
+        <p:nvSpPr>
+          <p:cNvPr id="2" name="Title 1">
+            <a:extLst>
+              <a:ext uri="{FF2B5EF4-FFF2-40B4-BE49-F238E27FC236}">
+                <a16:creationId xmlns:a16="http://schemas.microsoft.com/office/drawing/2014/main" id="{27F9AAE0-136D-FF45-8944-A967C9F0F607}"/>
+              </a:ext>
+            </a:extLst>
+          </p:cNvPr>
+          <p:cNvSpPr>
+            <a:spLocks noGrp="1"/>
+          </p:cNvSpPr>
+          <p:nvPr>
+            <p:ph type="title"/>
+          </p:nvPr>
+        </p:nvSpPr>
+        <p:spPr/>
+        <p:txBody>
+          <a:bodyPr/>
+          <a:lstStyle/>
+          <a:p>
+            <a:r>
+              <a:rPr lang="en-DK" dirty="0"/>
+              <a:t>Hope?</a:t>
+            </a:r>
+          </a:p>
+        </p:txBody>
+      </p:sp>
+      <p:pic>
+        <p:nvPicPr>
+          <p:cNvPr id="7" name="Content Placeholder 6" descr="Text&#10;&#10;Description automatically generated">
+            <a:extLst>
+              <a:ext uri="{FF2B5EF4-FFF2-40B4-BE49-F238E27FC236}">
+                <a16:creationId xmlns:a16="http://schemas.microsoft.com/office/drawing/2014/main" id="{4CBC277E-75BF-BB4B-9180-2E0514748D83}"/>
+              </a:ext>
+            </a:extLst>
+          </p:cNvPr>
+          <p:cNvPicPr>
+            <a:picLocks noGrp="1" noChangeAspect="1"/>
+          </p:cNvPicPr>
+          <p:nvPr>
+            <p:ph idx="1"/>
+          </p:nvPr>
+        </p:nvPicPr>
+        <p:blipFill>
+          <a:blip r:embed="rId2">
+            <a:extLst>
+              <a:ext uri="{28A0092B-C50C-407E-A947-70E740481C1C}">
+                <a14:useLocalDpi xmlns:a14="http://schemas.microsoft.com/office/drawing/2010/main" val="0"/>
+              </a:ext>
+            </a:extLst>
+          </a:blip>
+          <a:stretch>
+            <a:fillRect/>
+          </a:stretch>
+        </p:blipFill>
+        <p:spPr>
+          <a:xfrm>
+            <a:off x="3802062" y="3388519"/>
+            <a:ext cx="5257800" cy="1181100"/>
+          </a:xfrm>
+        </p:spPr>
+      </p:pic>
+      <p:sp>
+        <p:nvSpPr>
+          <p:cNvPr id="4" name="Footer Placeholder 3">
+            <a:extLst>
+              <a:ext uri="{FF2B5EF4-FFF2-40B4-BE49-F238E27FC236}">
+                <a16:creationId xmlns:a16="http://schemas.microsoft.com/office/drawing/2014/main" id="{53C42F1F-F634-4543-A888-9A1C1B795183}"/>
+              </a:ext>
+            </a:extLst>
+          </p:cNvPr>
+          <p:cNvSpPr>
+            <a:spLocks noGrp="1"/>
+          </p:cNvSpPr>
+          <p:nvPr>
+            <p:ph type="ftr" sz="quarter" idx="10"/>
+          </p:nvPr>
+        </p:nvSpPr>
+        <p:spPr/>
+        <p:txBody>
+          <a:bodyPr/>
+          <a:lstStyle/>
+          <a:p>
+            <a:endParaRPr lang="en-GB" dirty="0"/>
+          </a:p>
+        </p:txBody>
+      </p:sp>
+      <p:sp>
+        <p:nvSpPr>
+          <p:cNvPr id="5" name="Slide Number Placeholder 4">
+            <a:extLst>
+              <a:ext uri="{FF2B5EF4-FFF2-40B4-BE49-F238E27FC236}">
+                <a16:creationId xmlns:a16="http://schemas.microsoft.com/office/drawing/2014/main" id="{024B306D-43F6-7140-836A-12D48941ADCF}"/>
+              </a:ext>
+            </a:extLst>
+          </p:cNvPr>
+          <p:cNvSpPr>
+            <a:spLocks noGrp="1"/>
+          </p:cNvSpPr>
+          <p:nvPr>
+            <p:ph type="sldNum" sz="quarter" idx="11"/>
+          </p:nvPr>
+        </p:nvSpPr>
+        <p:spPr/>
+        <p:txBody>
+          <a:bodyPr/>
+          <a:lstStyle/>
+          <a:p>
+            <a:fld id="{103EA872-A674-449B-A120-B97244F8E91D}" type="slidenum">
+              <a:rPr lang="en-GB" smtClean="0"/>
+              <a:pPr/>
+              <a:t>10</a:t>
+            </a:fld>
+            <a:endParaRPr lang="en-GB" dirty="0"/>
+          </a:p>
+        </p:txBody>
+      </p:sp>
+    </p:spTree>
+    <p:extLst>
+      <p:ext uri="{BB962C8B-B14F-4D97-AF65-F5344CB8AC3E}">
+        <p14:creationId xmlns:p14="http://schemas.microsoft.com/office/powerpoint/2010/main" val="3180920130"/>
+      </p:ext>
+    </p:extLst>
+  </p:cSld>
+  <p:clrMapOvr>
+    <a:masterClrMapping/>
+  </p:clrMapOvr>
+</p:sld>
+</file>
+
+<file path=ppt/slides/slide11.xml><?xml version="1.0" encoding="utf-8"?>
 <p:sld xmlns:a="http://schemas.openxmlformats.org/drawingml/2006/main" xmlns:r="http://schemas.openxmlformats.org/officeDocument/2006/relationships" xmlns:p="http://schemas.openxmlformats.org/presentationml/2006/main">
   <p:cSld>
     <p:spTree>
@@ -9545,7 +9694,7 @@
             <a:fld id="{103EA872-A674-449B-A120-B97244F8E91D}" type="slidenum">
               <a:rPr lang="en-GB" smtClean="0"/>
               <a:pPr/>
-              <a:t>10</a:t>
+              <a:t>11</a:t>
             </a:fld>
             <a:endParaRPr lang="en-GB" dirty="0"/>
           </a:p>
@@ -9564,7 +9713,7 @@
 </p:sld>
 </file>
 
-<file path=ppt/slides/slide11.xml><?xml version="1.0" encoding="utf-8"?>
+<file path=ppt/slides/slide12.xml><?xml version="1.0" encoding="utf-8"?>
 <p:sld xmlns:a="http://schemas.openxmlformats.org/drawingml/2006/main" xmlns:r="http://schemas.openxmlformats.org/officeDocument/2006/relationships" xmlns:p="http://schemas.openxmlformats.org/presentationml/2006/main">
   <p:cSld>
     <p:spTree>
@@ -10645,7 +10794,7 @@
             <a:fld id="{103EA872-A674-449B-A120-B97244F8E91D}" type="slidenum">
               <a:rPr lang="en-GB" smtClean="0"/>
               <a:pPr/>
-              <a:t>11</a:t>
+              <a:t>12</a:t>
             </a:fld>
             <a:endParaRPr lang="en-GB" dirty="0"/>
           </a:p>
@@ -10664,7 +10813,7 @@
 </p:sld>
 </file>
 
-<file path=ppt/slides/slide12.xml><?xml version="1.0" encoding="utf-8"?>
+<file path=ppt/slides/slide13.xml><?xml version="1.0" encoding="utf-8"?>
 <p:sld xmlns:a="http://schemas.openxmlformats.org/drawingml/2006/main" xmlns:r="http://schemas.openxmlformats.org/officeDocument/2006/relationships" xmlns:p="http://schemas.openxmlformats.org/presentationml/2006/main">
   <p:cSld>
     <p:spTree>
@@ -11474,7 +11623,7 @@
             <a:fld id="{103EA872-A674-449B-A120-B97244F8E91D}" type="slidenum">
               <a:rPr lang="en-GB" smtClean="0"/>
               <a:pPr/>
-              <a:t>12</a:t>
+              <a:t>13</a:t>
             </a:fld>
             <a:endParaRPr lang="en-GB" dirty="0"/>
           </a:p>
@@ -11493,7 +11642,7 @@
 </p:sld>
 </file>
 
-<file path=ppt/slides/slide13.xml><?xml version="1.0" encoding="utf-8"?>
+<file path=ppt/slides/slide14.xml><?xml version="1.0" encoding="utf-8"?>
 <p:sld xmlns:a="http://schemas.openxmlformats.org/drawingml/2006/main" xmlns:r="http://schemas.openxmlformats.org/officeDocument/2006/relationships" xmlns:p="http://schemas.openxmlformats.org/presentationml/2006/main">
   <p:cSld>
     <p:spTree>
@@ -12139,7 +12288,7 @@
             <a:fld id="{103EA872-A674-449B-A120-B97244F8E91D}" type="slidenum">
               <a:rPr lang="en-GB" smtClean="0"/>
               <a:pPr/>
-              <a:t>13</a:t>
+              <a:t>14</a:t>
             </a:fld>
             <a:endParaRPr lang="en-GB" dirty="0"/>
           </a:p>
@@ -12158,7 +12307,7 @@
 </p:sld>
 </file>
 
-<file path=ppt/slides/slide14.xml><?xml version="1.0" encoding="utf-8"?>
+<file path=ppt/slides/slide15.xml><?xml version="1.0" encoding="utf-8"?>
 <p:sld xmlns:a="http://schemas.openxmlformats.org/drawingml/2006/main" xmlns:r="http://schemas.openxmlformats.org/officeDocument/2006/relationships" xmlns:p="http://schemas.openxmlformats.org/presentationml/2006/main">
   <p:cSld>
     <p:spTree>
@@ -12309,7 +12458,7 @@
             <a:fld id="{103EA872-A674-449B-A120-B97244F8E91D}" type="slidenum">
               <a:rPr lang="en-GB" smtClean="0"/>
               <a:pPr/>
-              <a:t>14</a:t>
+              <a:t>15</a:t>
             </a:fld>
             <a:endParaRPr lang="en-GB" dirty="0"/>
           </a:p>
@@ -12364,7 +12513,7 @@
 </p:sld>
 </file>
 
-<file path=ppt/slides/slide15.xml><?xml version="1.0" encoding="utf-8"?>
+<file path=ppt/slides/slide16.xml><?xml version="1.0" encoding="utf-8"?>
 <p:sld xmlns:a="http://schemas.openxmlformats.org/drawingml/2006/main" xmlns:r="http://schemas.openxmlformats.org/officeDocument/2006/relationships" xmlns:p="http://schemas.openxmlformats.org/presentationml/2006/main">
   <p:cSld>
     <p:spTree>
@@ -12493,7 +12642,7 @@
             <a:fld id="{103EA872-A674-449B-A120-B97244F8E91D}" type="slidenum">
               <a:rPr lang="en-GB" smtClean="0"/>
               <a:pPr/>
-              <a:t>15</a:t>
+              <a:t>16</a:t>
             </a:fld>
             <a:endParaRPr lang="en-GB" dirty="0"/>
           </a:p>
@@ -12841,7 +12990,7 @@
 </p:sld>
 </file>
 
-<file path=ppt/slides/slide16.xml><?xml version="1.0" encoding="utf-8"?>
+<file path=ppt/slides/slide17.xml><?xml version="1.0" encoding="utf-8"?>
 <p:sld xmlns:a="http://schemas.openxmlformats.org/drawingml/2006/main" xmlns:r="http://schemas.openxmlformats.org/officeDocument/2006/relationships" xmlns:p="http://schemas.openxmlformats.org/presentationml/2006/main">
   <p:cSld>
     <p:spTree>
@@ -13014,7 +13163,7 @@
             <a:fld id="{103EA872-A674-449B-A120-B97244F8E91D}" type="slidenum">
               <a:rPr lang="en-GB" smtClean="0"/>
               <a:pPr/>
-              <a:t>16</a:t>
+              <a:t>17</a:t>
             </a:fld>
             <a:endParaRPr lang="en-GB" dirty="0"/>
           </a:p>
@@ -13033,7 +13182,7 @@
 </p:sld>
 </file>
 
-<file path=ppt/slides/slide17.xml><?xml version="1.0" encoding="utf-8"?>
+<file path=ppt/slides/slide18.xml><?xml version="1.0" encoding="utf-8"?>
 <p:sld xmlns:a="http://schemas.openxmlformats.org/drawingml/2006/main" xmlns:r="http://schemas.openxmlformats.org/officeDocument/2006/relationships" xmlns:p="http://schemas.openxmlformats.org/presentationml/2006/main">
   <p:cSld>
     <p:spTree>
@@ -13176,7 +13325,7 @@
             <a:fld id="{103EA872-A674-449B-A120-B97244F8E91D}" type="slidenum">
               <a:rPr lang="en-GB" smtClean="0"/>
               <a:pPr/>
-              <a:t>17</a:t>
+              <a:t>18</a:t>
             </a:fld>
             <a:endParaRPr lang="en-GB" dirty="0"/>
           </a:p>
@@ -13195,7 +13344,7 @@
 </p:sld>
 </file>
 
-<file path=ppt/slides/slide18.xml><?xml version="1.0" encoding="utf-8"?>
+<file path=ppt/slides/slide19.xml><?xml version="1.0" encoding="utf-8"?>
 <p:sld xmlns:a="http://schemas.openxmlformats.org/drawingml/2006/main" xmlns:r="http://schemas.openxmlformats.org/officeDocument/2006/relationships" xmlns:p="http://schemas.openxmlformats.org/presentationml/2006/main">
   <p:cSld>
     <p:spTree>
@@ -13261,7 +13410,49 @@
           <a:bodyPr/>
           <a:lstStyle/>
           <a:p>
-            <a:endParaRPr lang="en-DK"/>
+            <a:r>
+              <a:rPr lang="en-DK" dirty="0">
+                <a:hlinkClick r:id="rId2"/>
+              </a:rPr>
+              <a:t>GitHub repository</a:t>
+            </a:r>
+            <a:endParaRPr lang="en-DK" dirty="0"/>
+          </a:p>
+          <a:p>
+            <a:endParaRPr lang="en-DK" dirty="0"/>
+          </a:p>
+          <a:p>
+            <a:r>
+              <a:rPr lang="en-DK" dirty="0">
+                <a:hlinkClick r:id="rId3"/>
+              </a:rPr>
+              <a:t>Alberty paper</a:t>
+            </a:r>
+            <a:endParaRPr lang="en-DK" dirty="0"/>
+          </a:p>
+          <a:p>
+            <a:endParaRPr lang="en-DK" dirty="0"/>
+          </a:p>
+          <a:p>
+            <a:r>
+              <a:rPr lang="en-DK" dirty="0">
+                <a:hlinkClick r:id="rId4"/>
+              </a:rPr>
+              <a:t>Bayesian workflow paper</a:t>
+            </a:r>
+            <a:endParaRPr lang="en-DK" dirty="0"/>
+          </a:p>
+          <a:p>
+            <a:endParaRPr lang="en-DK" dirty="0"/>
+          </a:p>
+          <a:p>
+            <a:r>
+              <a:rPr lang="en-DK" dirty="0">
+                <a:hlinkClick r:id="rId5"/>
+              </a:rPr>
+              <a:t>Essay about degeneracy</a:t>
+            </a:r>
+            <a:endParaRPr lang="en-DK" dirty="0"/>
           </a:p>
         </p:txBody>
       </p:sp>
@@ -13314,7 +13505,7 @@
             <a:fld id="{103EA872-A674-449B-A120-B97244F8E91D}" type="slidenum">
               <a:rPr lang="en-GB" smtClean="0"/>
               <a:pPr/>
-              <a:t>18</a:t>
+              <a:t>19</a:t>
             </a:fld>
             <a:endParaRPr lang="en-GB" dirty="0"/>
           </a:p>
@@ -13334,6 +13525,233 @@
 </file>
 
 <file path=ppt/slides/slide2.xml><?xml version="1.0" encoding="utf-8"?>
+<p:sld xmlns:a="http://schemas.openxmlformats.org/drawingml/2006/main" xmlns:r="http://schemas.openxmlformats.org/officeDocument/2006/relationships" xmlns:p="http://schemas.openxmlformats.org/presentationml/2006/main">
+  <p:cSld>
+    <p:spTree>
+      <p:nvGrpSpPr>
+        <p:cNvPr id="1" name=""/>
+        <p:cNvGrpSpPr/>
+        <p:nvPr/>
+      </p:nvGrpSpPr>
+      <p:grpSpPr>
+        <a:xfrm>
+          <a:off x="0" y="0"/>
+          <a:ext cx="0" cy="0"/>
+          <a:chOff x="0" y="0"/>
+          <a:chExt cx="0" cy="0"/>
+        </a:xfrm>
+      </p:grpSpPr>
+      <p:sp>
+        <p:nvSpPr>
+          <p:cNvPr id="2" name="Title 1">
+            <a:extLst>
+              <a:ext uri="{FF2B5EF4-FFF2-40B4-BE49-F238E27FC236}">
+                <a16:creationId xmlns:a16="http://schemas.microsoft.com/office/drawing/2014/main" id="{CA7757CC-1505-504C-9F78-7B7C54A37B63}"/>
+              </a:ext>
+            </a:extLst>
+          </p:cNvPr>
+          <p:cNvSpPr>
+            <a:spLocks noGrp="1"/>
+          </p:cNvSpPr>
+          <p:nvPr>
+            <p:ph type="title"/>
+          </p:nvPr>
+        </p:nvSpPr>
+        <p:spPr/>
+        <p:txBody>
+          <a:bodyPr/>
+          <a:lstStyle/>
+          <a:p>
+            <a:r>
+              <a:rPr lang="en-DK" dirty="0"/>
+              <a:t>Plan</a:t>
+            </a:r>
+          </a:p>
+        </p:txBody>
+      </p:sp>
+      <p:sp>
+        <p:nvSpPr>
+          <p:cNvPr id="3" name="Content Placeholder 2">
+            <a:extLst>
+              <a:ext uri="{FF2B5EF4-FFF2-40B4-BE49-F238E27FC236}">
+                <a16:creationId xmlns:a16="http://schemas.microsoft.com/office/drawing/2014/main" id="{02CDC0C8-1419-FA43-86E7-7B5435178FCB}"/>
+              </a:ext>
+            </a:extLst>
+          </p:cNvPr>
+          <p:cNvSpPr>
+            <a:spLocks noGrp="1"/>
+          </p:cNvSpPr>
+          <p:nvPr>
+            <p:ph idx="1"/>
+          </p:nvPr>
+        </p:nvSpPr>
+        <p:spPr/>
+        <p:txBody>
+          <a:bodyPr/>
+          <a:lstStyle/>
+          <a:p>
+            <a:pPr marL="342900" indent="-342900">
+              <a:buFont typeface="+mj-lt"/>
+              <a:buAutoNum type="arabicPeriod"/>
+            </a:pPr>
+            <a:r>
+              <a:rPr lang="en-DK" dirty="0"/>
+              <a:t>What is a Bayesian model of Biochemical thermodynamics?</a:t>
+            </a:r>
+          </a:p>
+          <a:p>
+            <a:pPr marL="342900" indent="-342900">
+              <a:buFont typeface="+mj-lt"/>
+              <a:buAutoNum type="arabicPeriod"/>
+            </a:pPr>
+            <a:endParaRPr lang="en-DK" dirty="0"/>
+          </a:p>
+          <a:p>
+            <a:pPr marL="342900" indent="-342900">
+              <a:buFont typeface="+mj-lt"/>
+              <a:buAutoNum type="arabicPeriod"/>
+            </a:pPr>
+            <a:r>
+              <a:rPr lang="en-DK" dirty="0"/>
+              <a:t>Why degeneracy is a problem for Bayesian thermodynamics models?</a:t>
+            </a:r>
+          </a:p>
+          <a:p>
+            <a:pPr marL="342900" indent="-342900">
+              <a:buFont typeface="+mj-lt"/>
+              <a:buAutoNum type="arabicPeriod"/>
+            </a:pPr>
+            <a:endParaRPr lang="en-DK" dirty="0"/>
+          </a:p>
+          <a:p>
+            <a:pPr marL="342900" indent="-342900">
+              <a:buFont typeface="+mj-lt"/>
+              <a:buAutoNum type="arabicPeriod"/>
+            </a:pPr>
+            <a:r>
+              <a:rPr lang="en-DK" dirty="0"/>
+              <a:t>Proposed solution to the difficulty by reparameterisation</a:t>
+            </a:r>
+          </a:p>
+          <a:p>
+            <a:pPr marL="342900" indent="-342900">
+              <a:buFont typeface="+mj-lt"/>
+              <a:buAutoNum type="arabicPeriod"/>
+            </a:pPr>
+            <a:endParaRPr lang="en-DK" dirty="0"/>
+          </a:p>
+          <a:p>
+            <a:pPr marL="342900" indent="-342900">
+              <a:buFont typeface="+mj-lt"/>
+              <a:buAutoNum type="arabicPeriod"/>
+            </a:pPr>
+            <a:r>
+              <a:rPr lang="en-DK" dirty="0"/>
+              <a:t>Simulation studies showing that the reparameterisation works pretty well</a:t>
+            </a:r>
+          </a:p>
+          <a:p>
+            <a:pPr marL="342900" indent="-342900">
+              <a:buFont typeface="+mj-lt"/>
+              <a:buAutoNum type="arabicPeriod"/>
+            </a:pPr>
+            <a:endParaRPr lang="en-DK" dirty="0"/>
+          </a:p>
+          <a:p>
+            <a:pPr marL="342900" indent="-342900">
+              <a:buFont typeface="+mj-lt"/>
+              <a:buAutoNum type="arabicPeriod"/>
+            </a:pPr>
+            <a:r>
+              <a:rPr lang="en-DK" dirty="0"/>
+              <a:t>Discussion</a:t>
+            </a:r>
+          </a:p>
+          <a:p>
+            <a:pPr marL="342900" indent="-342900">
+              <a:buFont typeface="+mj-lt"/>
+              <a:buAutoNum type="arabicPeriod"/>
+            </a:pPr>
+            <a:endParaRPr lang="en-DK" dirty="0"/>
+          </a:p>
+          <a:p>
+            <a:pPr marL="342900" indent="-342900">
+              <a:buFont typeface="+mj-lt"/>
+              <a:buAutoNum type="arabicPeriod"/>
+            </a:pPr>
+            <a:endParaRPr lang="en-DK" dirty="0"/>
+          </a:p>
+        </p:txBody>
+      </p:sp>
+      <p:sp>
+        <p:nvSpPr>
+          <p:cNvPr id="4" name="Footer Placeholder 3">
+            <a:extLst>
+              <a:ext uri="{FF2B5EF4-FFF2-40B4-BE49-F238E27FC236}">
+                <a16:creationId xmlns:a16="http://schemas.microsoft.com/office/drawing/2014/main" id="{F2903FD6-A47B-5144-B4B3-9866B33171BA}"/>
+              </a:ext>
+            </a:extLst>
+          </p:cNvPr>
+          <p:cNvSpPr>
+            <a:spLocks noGrp="1"/>
+          </p:cNvSpPr>
+          <p:nvPr>
+            <p:ph type="ftr" sz="quarter" idx="10"/>
+          </p:nvPr>
+        </p:nvSpPr>
+        <p:spPr/>
+        <p:txBody>
+          <a:bodyPr/>
+          <a:lstStyle/>
+          <a:p>
+            <a:endParaRPr lang="en-GB" dirty="0"/>
+          </a:p>
+        </p:txBody>
+      </p:sp>
+      <p:sp>
+        <p:nvSpPr>
+          <p:cNvPr id="5" name="Slide Number Placeholder 4">
+            <a:extLst>
+              <a:ext uri="{FF2B5EF4-FFF2-40B4-BE49-F238E27FC236}">
+                <a16:creationId xmlns:a16="http://schemas.microsoft.com/office/drawing/2014/main" id="{4F676B9B-348C-7B4C-AE5A-A24078537ED4}"/>
+              </a:ext>
+            </a:extLst>
+          </p:cNvPr>
+          <p:cNvSpPr>
+            <a:spLocks noGrp="1"/>
+          </p:cNvSpPr>
+          <p:nvPr>
+            <p:ph type="sldNum" sz="quarter" idx="11"/>
+          </p:nvPr>
+        </p:nvSpPr>
+        <p:spPr/>
+        <p:txBody>
+          <a:bodyPr/>
+          <a:lstStyle/>
+          <a:p>
+            <a:fld id="{103EA872-A674-449B-A120-B97244F8E91D}" type="slidenum">
+              <a:rPr lang="en-GB" smtClean="0"/>
+              <a:pPr/>
+              <a:t>2</a:t>
+            </a:fld>
+            <a:endParaRPr lang="en-GB" dirty="0"/>
+          </a:p>
+        </p:txBody>
+      </p:sp>
+    </p:spTree>
+    <p:extLst>
+      <p:ext uri="{BB962C8B-B14F-4D97-AF65-F5344CB8AC3E}">
+        <p14:creationId xmlns:p14="http://schemas.microsoft.com/office/powerpoint/2010/main" val="2208420266"/>
+      </p:ext>
+    </p:extLst>
+  </p:cSld>
+  <p:clrMapOvr>
+    <a:masterClrMapping/>
+  </p:clrMapOvr>
+</p:sld>
+</file>
+
+<file path=ppt/slides/slide3.xml><?xml version="1.0" encoding="utf-8"?>
 <p:sld xmlns:a="http://schemas.openxmlformats.org/drawingml/2006/main" xmlns:r="http://schemas.openxmlformats.org/officeDocument/2006/relationships" xmlns:p="http://schemas.openxmlformats.org/presentationml/2006/main">
   <p:cSld>
     <p:spTree>
@@ -13506,7 +13924,7 @@
                                       <a:rPr lang="en-US" sz="4000" b="0" i="1" smtClean="0">
                                         <a:latin typeface="Cambria Math" panose="02040503050406030204" pitchFamily="18" charset="0"/>
                                       </a:rPr>
-                                      <m:t>𝑛</m:t>
+                                      <m:t>𝑁</m:t>
                                     </m:r>
                                   </m:sub>
                                 </m:sSub>
@@ -13561,7 +13979,7 @@
                                       <a:rPr lang="en-US" sz="4000" b="0" i="1" smtClean="0">
                                         <a:latin typeface="Cambria Math" panose="02040503050406030204" pitchFamily="18" charset="0"/>
                                       </a:rPr>
-                                      <m:t>𝑚</m:t>
+                                      <m:t>𝑀</m:t>
                                     </m:r>
                                     <m:r>
                                       <a:rPr lang="en-US" sz="4000" b="0" i="1" smtClean="0">
@@ -13602,7 +14020,7 @@
                                       <a:rPr lang="en-US" sz="4000" b="0" i="1" smtClean="0">
                                         <a:latin typeface="Cambria Math" panose="02040503050406030204" pitchFamily="18" charset="0"/>
                                       </a:rPr>
-                                      <m:t>𝑚𝑛</m:t>
+                                      <m:t>𝑀𝑁</m:t>
                                     </m:r>
                                   </m:sub>
                                 </m:sSub>
@@ -13694,7 +14112,7 @@
                                 <a:rPr lang="en-US" sz="4000" b="0" i="1" smtClean="0">
                                   <a:latin typeface="Cambria Math" panose="02040503050406030204" pitchFamily="18" charset="0"/>
                                 </a:rPr>
-                                <m:t>𝑚</m:t>
+                                <m:t>𝑀</m:t>
                               </m:r>
                             </m:sub>
                           </m:sSub>
@@ -13823,7 +14241,7 @@
                                       <a:latin typeface="Cambria Math" panose="02040503050406030204" pitchFamily="18" charset="0"/>
                                       <a:ea typeface="Cambria Math" panose="02040503050406030204" pitchFamily="18" charset="0"/>
                                     </a:rPr>
-                                    <m:t>𝑛</m:t>
+                                    <m:t>𝑁</m:t>
                                   </m:r>
                                 </m:sub>
                               </m:sSub>
@@ -13864,7 +14282,7 @@
               <a:blipFill>
                 <a:blip r:embed="rId4"/>
                 <a:stretch>
-                  <a:fillRect t="-794" b="-20635"/>
+                  <a:fillRect t="-794" b="-21429"/>
                 </a:stretch>
               </a:blipFill>
             </p:spPr>
@@ -13920,7 +14338,7 @@
             <a:fld id="{103EA872-A674-449B-A120-B97244F8E91D}" type="slidenum">
               <a:rPr lang="en-GB" smtClean="0"/>
               <a:pPr/>
-              <a:t>2</a:t>
+              <a:t>3</a:t>
             </a:fld>
             <a:endParaRPr lang="en-GB" dirty="0"/>
           </a:p>
@@ -14315,7 +14733,7 @@
 </p:sld>
 </file>
 
-<file path=ppt/slides/slide3.xml><?xml version="1.0" encoding="utf-8"?>
+<file path=ppt/slides/slide4.xml><?xml version="1.0" encoding="utf-8"?>
 <p:sld xmlns:a="http://schemas.openxmlformats.org/drawingml/2006/main" xmlns:r="http://schemas.openxmlformats.org/officeDocument/2006/relationships" xmlns:p="http://schemas.openxmlformats.org/presentationml/2006/main">
   <p:cSld>
     <p:spTree>
@@ -14409,7 +14827,7 @@
             <a:fld id="{103EA872-A674-449B-A120-B97244F8E91D}" type="slidenum">
               <a:rPr lang="en-GB" smtClean="0"/>
               <a:pPr/>
-              <a:t>3</a:t>
+              <a:t>4</a:t>
             </a:fld>
             <a:endParaRPr lang="en-GB" dirty="0"/>
           </a:p>
@@ -14911,11 +15329,11 @@
                                 </m:e>
                                 <m:sub>
                                   <m:r>
-                                    <a:rPr lang="en-US" sz="4000" i="1">
+                                    <a:rPr lang="en-US" sz="4000" b="0" i="1" smtClean="0">
                                       <a:latin typeface="Cambria Math" panose="02040503050406030204" pitchFamily="18" charset="0"/>
                                       <a:ea typeface="Cambria Math" panose="02040503050406030204" pitchFamily="18" charset="0"/>
                                     </a:rPr>
-                                    <m:t>𝑛</m:t>
+                                    <m:t>𝑁</m:t>
                                   </m:r>
                                 </m:sub>
                               </m:sSub>
@@ -14989,7 +15407,7 @@
 </p:sld>
 </file>
 
-<file path=ppt/slides/slide4.xml><?xml version="1.0" encoding="utf-8"?>
+<file path=ppt/slides/slide5.xml><?xml version="1.0" encoding="utf-8"?>
 <p:sld xmlns:a="http://schemas.openxmlformats.org/drawingml/2006/main" xmlns:r="http://schemas.openxmlformats.org/officeDocument/2006/relationships" xmlns:p="http://schemas.openxmlformats.org/presentationml/2006/main">
   <p:cSld>
     <p:spTree>
@@ -15180,7 +15598,7 @@
             <a:fld id="{103EA872-A674-449B-A120-B97244F8E91D}" type="slidenum">
               <a:rPr lang="en-GB" smtClean="0"/>
               <a:pPr/>
-              <a:t>4</a:t>
+              <a:t>5</a:t>
             </a:fld>
             <a:endParaRPr lang="en-GB" dirty="0"/>
           </a:p>
@@ -15199,7 +15617,7 @@
 </p:sld>
 </file>
 
-<file path=ppt/slides/slide5.xml><?xml version="1.0" encoding="utf-8"?>
+<file path=ppt/slides/slide6.xml><?xml version="1.0" encoding="utf-8"?>
 <p:sld xmlns:a="http://schemas.openxmlformats.org/drawingml/2006/main" xmlns:r="http://schemas.openxmlformats.org/officeDocument/2006/relationships" xmlns:p="http://schemas.openxmlformats.org/presentationml/2006/main">
   <p:cSld>
     <p:spTree>
@@ -15328,7 +15746,7 @@
             <a:fld id="{103EA872-A674-449B-A120-B97244F8E91D}" type="slidenum">
               <a:rPr lang="en-GB" smtClean="0"/>
               <a:pPr/>
-              <a:t>5</a:t>
+              <a:t>6</a:t>
             </a:fld>
             <a:endParaRPr lang="en-GB" dirty="0"/>
           </a:p>
@@ -15436,7 +15854,7 @@
 </p:sld>
 </file>
 
-<file path=ppt/slides/slide6.xml><?xml version="1.0" encoding="utf-8"?>
+<file path=ppt/slides/slide7.xml><?xml version="1.0" encoding="utf-8"?>
 <p:sld xmlns:a="http://schemas.openxmlformats.org/drawingml/2006/main" xmlns:r="http://schemas.openxmlformats.org/officeDocument/2006/relationships" xmlns:p="http://schemas.openxmlformats.org/presentationml/2006/main">
   <p:cSld>
     <p:spTree>
@@ -15697,7 +16115,7 @@
             <a:fld id="{103EA872-A674-449B-A120-B97244F8E91D}" type="slidenum">
               <a:rPr lang="en-GB" smtClean="0"/>
               <a:pPr/>
-              <a:t>6</a:t>
+              <a:t>7</a:t>
             </a:fld>
             <a:endParaRPr lang="en-GB" dirty="0"/>
           </a:p>
@@ -15799,7 +16217,7 @@
 </p:sld>
 </file>
 
-<file path=ppt/slides/slide7.xml><?xml version="1.0" encoding="utf-8"?>
+<file path=ppt/slides/slide8.xml><?xml version="1.0" encoding="utf-8"?>
 <p:sld xmlns:a="http://schemas.openxmlformats.org/drawingml/2006/main" xmlns:r="http://schemas.openxmlformats.org/officeDocument/2006/relationships" xmlns:p="http://schemas.openxmlformats.org/presentationml/2006/main">
   <p:cSld>
     <p:spTree>
@@ -16337,7 +16755,7 @@
             <a:fld id="{103EA872-A674-449B-A120-B97244F8E91D}" type="slidenum">
               <a:rPr lang="en-GB" smtClean="0"/>
               <a:pPr/>
-              <a:t>7</a:t>
+              <a:t>8</a:t>
             </a:fld>
             <a:endParaRPr lang="en-GB" dirty="0"/>
           </a:p>
@@ -16392,7 +16810,7 @@
 </p:sld>
 </file>
 
-<file path=ppt/slides/slide8.xml><?xml version="1.0" encoding="utf-8"?>
+<file path=ppt/slides/slide9.xml><?xml version="1.0" encoding="utf-8"?>
 <p:sld xmlns:a="http://schemas.openxmlformats.org/drawingml/2006/main" xmlns:r="http://schemas.openxmlformats.org/officeDocument/2006/relationships" xmlns:p="http://schemas.openxmlformats.org/presentationml/2006/main">
   <p:cSld>
     <p:spTree>
@@ -16486,7 +16904,7 @@
             <a:fld id="{103EA872-A674-449B-A120-B97244F8E91D}" type="slidenum">
               <a:rPr lang="en-GB" smtClean="0"/>
               <a:pPr/>
-              <a:t>8</a:t>
+              <a:t>9</a:t>
             </a:fld>
             <a:endParaRPr lang="en-GB" dirty="0"/>
           </a:p>
@@ -17542,154 +17960,6 @@
     <p:extLst>
       <p:ext uri="{BB962C8B-B14F-4D97-AF65-F5344CB8AC3E}">
         <p14:creationId xmlns:p14="http://schemas.microsoft.com/office/powerpoint/2010/main" val="2708800628"/>
-      </p:ext>
-    </p:extLst>
-  </p:cSld>
-  <p:clrMapOvr>
-    <a:masterClrMapping/>
-  </p:clrMapOvr>
-</p:sld>
-</file>
-
-<file path=ppt/slides/slide9.xml><?xml version="1.0" encoding="utf-8"?>
-<p:sld xmlns:a="http://schemas.openxmlformats.org/drawingml/2006/main" xmlns:r="http://schemas.openxmlformats.org/officeDocument/2006/relationships" xmlns:p="http://schemas.openxmlformats.org/presentationml/2006/main">
-  <p:cSld>
-    <p:spTree>
-      <p:nvGrpSpPr>
-        <p:cNvPr id="1" name=""/>
-        <p:cNvGrpSpPr/>
-        <p:nvPr/>
-      </p:nvGrpSpPr>
-      <p:grpSpPr>
-        <a:xfrm>
-          <a:off x="0" y="0"/>
-          <a:ext cx="0" cy="0"/>
-          <a:chOff x="0" y="0"/>
-          <a:chExt cx="0" cy="0"/>
-        </a:xfrm>
-      </p:grpSpPr>
-      <p:sp>
-        <p:nvSpPr>
-          <p:cNvPr id="2" name="Title 1">
-            <a:extLst>
-              <a:ext uri="{FF2B5EF4-FFF2-40B4-BE49-F238E27FC236}">
-                <a16:creationId xmlns:a16="http://schemas.microsoft.com/office/drawing/2014/main" id="{27F9AAE0-136D-FF45-8944-A967C9F0F607}"/>
-              </a:ext>
-            </a:extLst>
-          </p:cNvPr>
-          <p:cNvSpPr>
-            <a:spLocks noGrp="1"/>
-          </p:cNvSpPr>
-          <p:nvPr>
-            <p:ph type="title"/>
-          </p:nvPr>
-        </p:nvSpPr>
-        <p:spPr/>
-        <p:txBody>
-          <a:bodyPr/>
-          <a:lstStyle/>
-          <a:p>
-            <a:r>
-              <a:rPr lang="en-DK" dirty="0"/>
-              <a:t>Hope?</a:t>
-            </a:r>
-          </a:p>
-        </p:txBody>
-      </p:sp>
-      <p:pic>
-        <p:nvPicPr>
-          <p:cNvPr id="7" name="Content Placeholder 6" descr="Text&#10;&#10;Description automatically generated">
-            <a:extLst>
-              <a:ext uri="{FF2B5EF4-FFF2-40B4-BE49-F238E27FC236}">
-                <a16:creationId xmlns:a16="http://schemas.microsoft.com/office/drawing/2014/main" id="{4CBC277E-75BF-BB4B-9180-2E0514748D83}"/>
-              </a:ext>
-            </a:extLst>
-          </p:cNvPr>
-          <p:cNvPicPr>
-            <a:picLocks noGrp="1" noChangeAspect="1"/>
-          </p:cNvPicPr>
-          <p:nvPr>
-            <p:ph idx="1"/>
-          </p:nvPr>
-        </p:nvPicPr>
-        <p:blipFill>
-          <a:blip r:embed="rId2">
-            <a:extLst>
-              <a:ext uri="{28A0092B-C50C-407E-A947-70E740481C1C}">
-                <a14:useLocalDpi xmlns:a14="http://schemas.microsoft.com/office/drawing/2010/main" val="0"/>
-              </a:ext>
-            </a:extLst>
-          </a:blip>
-          <a:stretch>
-            <a:fillRect/>
-          </a:stretch>
-        </p:blipFill>
-        <p:spPr>
-          <a:xfrm>
-            <a:off x="3802062" y="3388519"/>
-            <a:ext cx="5257800" cy="1181100"/>
-          </a:xfrm>
-        </p:spPr>
-      </p:pic>
-      <p:sp>
-        <p:nvSpPr>
-          <p:cNvPr id="4" name="Footer Placeholder 3">
-            <a:extLst>
-              <a:ext uri="{FF2B5EF4-FFF2-40B4-BE49-F238E27FC236}">
-                <a16:creationId xmlns:a16="http://schemas.microsoft.com/office/drawing/2014/main" id="{53C42F1F-F634-4543-A888-9A1C1B795183}"/>
-              </a:ext>
-            </a:extLst>
-          </p:cNvPr>
-          <p:cNvSpPr>
-            <a:spLocks noGrp="1"/>
-          </p:cNvSpPr>
-          <p:nvPr>
-            <p:ph type="ftr" sz="quarter" idx="10"/>
-          </p:nvPr>
-        </p:nvSpPr>
-        <p:spPr/>
-        <p:txBody>
-          <a:bodyPr/>
-          <a:lstStyle/>
-          <a:p>
-            <a:endParaRPr lang="en-GB" dirty="0"/>
-          </a:p>
-        </p:txBody>
-      </p:sp>
-      <p:sp>
-        <p:nvSpPr>
-          <p:cNvPr id="5" name="Slide Number Placeholder 4">
-            <a:extLst>
-              <a:ext uri="{FF2B5EF4-FFF2-40B4-BE49-F238E27FC236}">
-                <a16:creationId xmlns:a16="http://schemas.microsoft.com/office/drawing/2014/main" id="{024B306D-43F6-7140-836A-12D48941ADCF}"/>
-              </a:ext>
-            </a:extLst>
-          </p:cNvPr>
-          <p:cNvSpPr>
-            <a:spLocks noGrp="1"/>
-          </p:cNvSpPr>
-          <p:nvPr>
-            <p:ph type="sldNum" sz="quarter" idx="11"/>
-          </p:nvPr>
-        </p:nvSpPr>
-        <p:spPr/>
-        <p:txBody>
-          <a:bodyPr/>
-          <a:lstStyle/>
-          <a:p>
-            <a:fld id="{103EA872-A674-449B-A120-B97244F8E91D}" type="slidenum">
-              <a:rPr lang="en-GB" smtClean="0"/>
-              <a:pPr/>
-              <a:t>9</a:t>
-            </a:fld>
-            <a:endParaRPr lang="en-GB" dirty="0"/>
-          </a:p>
-        </p:txBody>
-      </p:sp>
-    </p:spTree>
-    <p:extLst>
-      <p:ext uri="{BB962C8B-B14F-4D97-AF65-F5344CB8AC3E}">
-        <p14:creationId xmlns:p14="http://schemas.microsoft.com/office/powerpoint/2010/main" val="3180920130"/>
       </p:ext>
     </p:extLst>
   </p:cSld>
